--- a/周记/Week-10 分布式并行.pptx
+++ b/周记/Week-10 分布式并行.pptx
@@ -215,7 +215,7 @@
           <a:p>
             <a:fld id="{1E5BCEC9-DDE4-4B30-87D6-0017517D5E27}" type="datetimeFigureOut">
               <a:rPr lang="zh-CN" altLang="en-US" smtClean="0"/>
-              <a:t>2023/12/28</a:t>
+              <a:t>2024/2/11</a:t>
             </a:fld>
             <a:endParaRPr lang="zh-CN" altLang="en-US"/>
           </a:p>
@@ -532,7 +532,7 @@
               </a14:hiddenFill>
             </a:ext>
             <a:ext uri="{FAA26D3D-D897-4be2-8F04-BA451C77F1D7}">
-              <ma14:placeholderFlag xmlns:ma14="http://schemas.microsoft.com/office/mac/drawingml/2011/main" xmlns="" val="1"/>
+              <ma14:placeholderFlag xmlns="" xmlns:ma14="http://schemas.microsoft.com/office/mac/drawingml/2011/main" val="1"/>
             </a:ext>
           </a:extLst>
         </p:spPr>
@@ -983,7 +983,7 @@
                 <a:tabLst/>
                 <a:defRPr/>
               </a:pPr>
-              <a:t>2023/12/28</a:t>
+              <a:t>2024/2/11</a:t>
             </a:fld>
             <a:endParaRPr kumimoji="0" lang="zh-CN" altLang="en-US" sz="1200" b="1" i="0" u="none" strike="noStrike" kern="1200" cap="none" spc="0" normalizeH="0" baseline="0" noProof="0">
               <a:ln>
@@ -1299,7 +1299,7 @@
                 <a:tabLst/>
                 <a:defRPr/>
               </a:pPr>
-              <a:t>2023/12/28</a:t>
+              <a:t>2024/2/11</a:t>
             </a:fld>
             <a:endParaRPr kumimoji="0" lang="zh-CN" altLang="en-US" sz="1200" b="1" i="0" u="none" strike="noStrike" kern="1200" cap="none" spc="0" normalizeH="0" baseline="0" noProof="0">
               <a:ln>
@@ -1812,7 +1812,7 @@
                 <a:tabLst/>
                 <a:defRPr/>
               </a:pPr>
-              <a:t>2023/12/28</a:t>
+              <a:t>2024/2/11</a:t>
             </a:fld>
             <a:endParaRPr kumimoji="0" lang="zh-CN" altLang="en-US" sz="1200" b="1" i="0" u="none" strike="noStrike" kern="1200" cap="none" spc="0" normalizeH="0" baseline="0" noProof="0">
               <a:ln>
@@ -2326,7 +2326,7 @@
                 <a:tabLst/>
                 <a:defRPr/>
               </a:pPr>
-              <a:t>2023/12/28</a:t>
+              <a:t>2024/2/11</a:t>
             </a:fld>
             <a:endParaRPr kumimoji="0" lang="zh-CN" altLang="en-US" sz="1200" b="1" i="0" u="none" strike="noStrike" kern="1200" cap="none" spc="0" normalizeH="0" baseline="0" noProof="0">
               <a:ln>
@@ -2626,7 +2626,7 @@
                 <a:tabLst/>
                 <a:defRPr/>
               </a:pPr>
-              <a:t>2023/12/28</a:t>
+              <a:t>2024/2/11</a:t>
             </a:fld>
             <a:endParaRPr kumimoji="0" lang="zh-CN" altLang="en-US" sz="1200" b="1" i="0" u="none" strike="noStrike" kern="1200" cap="none" spc="0" normalizeH="0" baseline="0" noProof="0">
               <a:ln>
@@ -2913,7 +2913,7 @@
           <a:p>
             <a:fld id="{7FA7C40F-0D87-4C47-A7B0-B93EF7B2BEDD}" type="datetimeFigureOut">
               <a:rPr lang="zh-CN" altLang="en-US" smtClean="0"/>
-              <a:t>2023/12/28</a:t>
+              <a:t>2024/2/11</a:t>
             </a:fld>
             <a:endParaRPr lang="zh-CN" altLang="en-US"/>
           </a:p>
@@ -3142,7 +3142,7 @@
           <a:p>
             <a:fld id="{7FA7C40F-0D87-4C47-A7B0-B93EF7B2BEDD}" type="datetimeFigureOut">
               <a:rPr lang="zh-CN" altLang="en-US" smtClean="0"/>
-              <a:t>2023/12/28</a:t>
+              <a:t>2024/2/11</a:t>
             </a:fld>
             <a:endParaRPr lang="zh-CN" altLang="en-US"/>
           </a:p>
@@ -3404,7 +3404,7 @@
                 <a:tabLst/>
                 <a:defRPr/>
               </a:pPr>
-              <a:t>2023/12/28</a:t>
+              <a:t>2024/2/11</a:t>
             </a:fld>
             <a:endParaRPr kumimoji="0" lang="zh-CN" altLang="en-US" sz="1200" b="1" i="0" u="none" strike="noStrike" kern="1200" cap="none" spc="0" normalizeH="0" baseline="0" noProof="0">
               <a:ln>
@@ -4162,7 +4162,7 @@
         <p:spPr>
           <a:xfrm>
             <a:off x="5435081" y="5780782"/>
-            <a:ext cx="1321836" cy="461665"/>
+            <a:ext cx="1629598" cy="461665"/>
           </a:xfrm>
           <a:prstGeom prst="rect">
             <a:avLst/>
@@ -4177,7 +4177,7 @@
           <a:p>
             <a:r>
               <a:rPr lang="en-US" altLang="zh-CN" sz="2400" b="1" dirty="0"/>
-              <a:t>Week 9</a:t>
+              <a:t>Week 10</a:t>
             </a:r>
             <a:endParaRPr lang="zh-CN" altLang="en-US" sz="2400" b="1" dirty="0"/>
           </a:p>
@@ -5099,7 +5099,7 @@
           <a:lstStyle/>
           <a:p>
             <a:r>
-              <a:rPr lang="zh-CN" altLang="en-US" b="0" i="0">
+              <a:rPr lang="zh-CN" altLang="en-US" b="0" i="0" dirty="0">
                 <a:effectLst/>
                 <a:latin typeface="Helvetica" panose="020B0604020202020204" pitchFamily="34" charset="0"/>
               </a:rPr>
